--- a/raw-assets/pandas-xlsxwriter-workflow.pptx
+++ b/raw-assets/pandas-xlsxwriter-workflow.pptx
@@ -243,7 +243,7 @@
           <a:p>
             <a:fld id="{24636ED1-01E3-41A1-8FC1-95D3A33AD6D8}" type="datetimeFigureOut">
               <a:rPr lang="en-US" smtClean="0"/>
-              <a:t>8/22/2021</a:t>
+              <a:t>9/6/2021</a:t>
             </a:fld>
             <a:endParaRPr lang="en-US"/>
           </a:p>
@@ -413,7 +413,7 @@
           <a:p>
             <a:fld id="{24636ED1-01E3-41A1-8FC1-95D3A33AD6D8}" type="datetimeFigureOut">
               <a:rPr lang="en-US" smtClean="0"/>
-              <a:t>8/22/2021</a:t>
+              <a:t>9/6/2021</a:t>
             </a:fld>
             <a:endParaRPr lang="en-US"/>
           </a:p>
@@ -593,7 +593,7 @@
           <a:p>
             <a:fld id="{24636ED1-01E3-41A1-8FC1-95D3A33AD6D8}" type="datetimeFigureOut">
               <a:rPr lang="en-US" smtClean="0"/>
-              <a:t>8/22/2021</a:t>
+              <a:t>9/6/2021</a:t>
             </a:fld>
             <a:endParaRPr lang="en-US"/>
           </a:p>
@@ -763,7 +763,7 @@
           <a:p>
             <a:fld id="{24636ED1-01E3-41A1-8FC1-95D3A33AD6D8}" type="datetimeFigureOut">
               <a:rPr lang="en-US" smtClean="0"/>
-              <a:t>8/22/2021</a:t>
+              <a:t>9/6/2021</a:t>
             </a:fld>
             <a:endParaRPr lang="en-US"/>
           </a:p>
@@ -1007,7 +1007,7 @@
           <a:p>
             <a:fld id="{24636ED1-01E3-41A1-8FC1-95D3A33AD6D8}" type="datetimeFigureOut">
               <a:rPr lang="en-US" smtClean="0"/>
-              <a:t>8/22/2021</a:t>
+              <a:t>9/6/2021</a:t>
             </a:fld>
             <a:endParaRPr lang="en-US"/>
           </a:p>
@@ -1239,7 +1239,7 @@
           <a:p>
             <a:fld id="{24636ED1-01E3-41A1-8FC1-95D3A33AD6D8}" type="datetimeFigureOut">
               <a:rPr lang="en-US" smtClean="0"/>
-              <a:t>8/22/2021</a:t>
+              <a:t>9/6/2021</a:t>
             </a:fld>
             <a:endParaRPr lang="en-US"/>
           </a:p>
@@ -1606,7 +1606,7 @@
           <a:p>
             <a:fld id="{24636ED1-01E3-41A1-8FC1-95D3A33AD6D8}" type="datetimeFigureOut">
               <a:rPr lang="en-US" smtClean="0"/>
-              <a:t>8/22/2021</a:t>
+              <a:t>9/6/2021</a:t>
             </a:fld>
             <a:endParaRPr lang="en-US"/>
           </a:p>
@@ -1724,7 +1724,7 @@
           <a:p>
             <a:fld id="{24636ED1-01E3-41A1-8FC1-95D3A33AD6D8}" type="datetimeFigureOut">
               <a:rPr lang="en-US" smtClean="0"/>
-              <a:t>8/22/2021</a:t>
+              <a:t>9/6/2021</a:t>
             </a:fld>
             <a:endParaRPr lang="en-US"/>
           </a:p>
@@ -1819,7 +1819,7 @@
           <a:p>
             <a:fld id="{24636ED1-01E3-41A1-8FC1-95D3A33AD6D8}" type="datetimeFigureOut">
               <a:rPr lang="en-US" smtClean="0"/>
-              <a:t>8/22/2021</a:t>
+              <a:t>9/6/2021</a:t>
             </a:fld>
             <a:endParaRPr lang="en-US"/>
           </a:p>
@@ -2096,7 +2096,7 @@
           <a:p>
             <a:fld id="{24636ED1-01E3-41A1-8FC1-95D3A33AD6D8}" type="datetimeFigureOut">
               <a:rPr lang="en-US" smtClean="0"/>
-              <a:t>8/22/2021</a:t>
+              <a:t>9/6/2021</a:t>
             </a:fld>
             <a:endParaRPr lang="en-US"/>
           </a:p>
@@ -2353,7 +2353,7 @@
           <a:p>
             <a:fld id="{24636ED1-01E3-41A1-8FC1-95D3A33AD6D8}" type="datetimeFigureOut">
               <a:rPr lang="en-US" smtClean="0"/>
-              <a:t>8/22/2021</a:t>
+              <a:t>9/6/2021</a:t>
             </a:fld>
             <a:endParaRPr lang="en-US"/>
           </a:p>
@@ -2566,7 +2566,7 @@
           <a:p>
             <a:fld id="{24636ED1-01E3-41A1-8FC1-95D3A33AD6D8}" type="datetimeFigureOut">
               <a:rPr lang="en-US" smtClean="0"/>
-              <a:t>8/22/2021</a:t>
+              <a:t>9/6/2021</a:t>
             </a:fld>
             <a:endParaRPr lang="en-US"/>
           </a:p>
@@ -3473,12 +3473,9 @@
               </a:rPr>
               <a:t>xlsxwriter</a:t>
             </a:r>
-            <a:r>
-              <a:rPr lang="en-US" sz="1685" b="1" dirty="0">
-                <a:latin typeface="Consolas" panose="020B0609020204030204" pitchFamily="49" charset="0"/>
-              </a:rPr>
-              <a:t> ⚙</a:t>
-            </a:r>
+            <a:endParaRPr lang="en-US" sz="1685" b="1" dirty="0">
+              <a:latin typeface="Consolas" panose="020B0609020204030204" pitchFamily="49" charset="0"/>
+            </a:endParaRPr>
           </a:p>
         </p:txBody>
       </p:sp>
@@ -3712,47 +3709,6 @@
           </a:prstGeom>
         </p:spPr>
       </p:pic>
-      <p:cxnSp>
-        <p:nvCxnSpPr>
-          <p:cNvPr id="3" name="Straight Connector 2">
-            <a:extLst>
-              <a:ext uri="{FF2B5EF4-FFF2-40B4-BE49-F238E27FC236}">
-                <a16:creationId xmlns:a16="http://schemas.microsoft.com/office/drawing/2014/main" id="{CD9EFBC9-A2FA-49CA-AF4A-226189C2115E}"/>
-              </a:ext>
-            </a:extLst>
-          </p:cNvPr>
-          <p:cNvCxnSpPr/>
-          <p:nvPr/>
-        </p:nvCxnSpPr>
-        <p:spPr>
-          <a:xfrm flipH="1">
-            <a:off x="2901530" y="3498991"/>
-            <a:ext cx="1299361" cy="302704"/>
-          </a:xfrm>
-          <a:prstGeom prst="line">
-            <a:avLst/>
-          </a:prstGeom>
-          <a:ln>
-            <a:solidFill>
-              <a:schemeClr val="tx1"/>
-            </a:solidFill>
-          </a:ln>
-        </p:spPr>
-        <p:style>
-          <a:lnRef idx="1">
-            <a:schemeClr val="accent1"/>
-          </a:lnRef>
-          <a:fillRef idx="0">
-            <a:schemeClr val="accent1"/>
-          </a:fillRef>
-          <a:effectRef idx="0">
-            <a:schemeClr val="accent1"/>
-          </a:effectRef>
-          <a:fontRef idx="minor">
-            <a:schemeClr val="tx1"/>
-          </a:fontRef>
-        </p:style>
-      </p:cxnSp>
       <p:pic>
         <p:nvPicPr>
           <p:cNvPr id="44" name="Picture 2" descr="Download Microsoft Excel Logo in SVG Vector or PNG File ...">
@@ -3830,47 +3786,6 @@
           </a:prstGeom>
         </p:spPr>
       </p:pic>
-      <p:cxnSp>
-        <p:nvCxnSpPr>
-          <p:cNvPr id="46" name="Straight Connector 45">
-            <a:extLst>
-              <a:ext uri="{FF2B5EF4-FFF2-40B4-BE49-F238E27FC236}">
-                <a16:creationId xmlns:a16="http://schemas.microsoft.com/office/drawing/2014/main" id="{3F6A6467-B623-4665-9905-F6000BDF66EC}"/>
-              </a:ext>
-            </a:extLst>
-          </p:cNvPr>
-          <p:cNvCxnSpPr/>
-          <p:nvPr/>
-        </p:nvCxnSpPr>
-        <p:spPr>
-          <a:xfrm flipH="1">
-            <a:off x="5675525" y="3289531"/>
-            <a:ext cx="1299361" cy="302704"/>
-          </a:xfrm>
-          <a:prstGeom prst="line">
-            <a:avLst/>
-          </a:prstGeom>
-          <a:ln>
-            <a:solidFill>
-              <a:schemeClr val="tx1"/>
-            </a:solidFill>
-          </a:ln>
-        </p:spPr>
-        <p:style>
-          <a:lnRef idx="1">
-            <a:schemeClr val="accent1"/>
-          </a:lnRef>
-          <a:fillRef idx="0">
-            <a:schemeClr val="accent1"/>
-          </a:fillRef>
-          <a:effectRef idx="0">
-            <a:schemeClr val="accent1"/>
-          </a:effectRef>
-          <a:fontRef idx="minor">
-            <a:schemeClr val="tx1"/>
-          </a:fontRef>
-        </p:style>
-      </p:cxnSp>
       <p:sp>
         <p:nvSpPr>
           <p:cNvPr id="47" name="TextBox 46">
@@ -4053,47 +3968,6 @@
           </a:prstGeom>
         </p:spPr>
       </p:pic>
-      <p:cxnSp>
-        <p:nvCxnSpPr>
-          <p:cNvPr id="54" name="Straight Connector 53">
-            <a:extLst>
-              <a:ext uri="{FF2B5EF4-FFF2-40B4-BE49-F238E27FC236}">
-                <a16:creationId xmlns:a16="http://schemas.microsoft.com/office/drawing/2014/main" id="{DD835033-92EB-4082-B4B7-DD9CBD6C9AB5}"/>
-              </a:ext>
-            </a:extLst>
-          </p:cNvPr>
-          <p:cNvCxnSpPr/>
-          <p:nvPr/>
-        </p:nvCxnSpPr>
-        <p:spPr>
-          <a:xfrm flipH="1">
-            <a:off x="8101917" y="3544495"/>
-            <a:ext cx="1299361" cy="302704"/>
-          </a:xfrm>
-          <a:prstGeom prst="line">
-            <a:avLst/>
-          </a:prstGeom>
-          <a:ln>
-            <a:solidFill>
-              <a:schemeClr val="tx1"/>
-            </a:solidFill>
-          </a:ln>
-        </p:spPr>
-        <p:style>
-          <a:lnRef idx="1">
-            <a:schemeClr val="accent1"/>
-          </a:lnRef>
-          <a:fillRef idx="0">
-            <a:schemeClr val="accent1"/>
-          </a:fillRef>
-          <a:effectRef idx="0">
-            <a:schemeClr val="accent1"/>
-          </a:effectRef>
-          <a:fontRef idx="minor">
-            <a:schemeClr val="tx1"/>
-          </a:fontRef>
-        </p:style>
-      </p:cxnSp>
       <p:pic>
         <p:nvPicPr>
           <p:cNvPr id="55" name="Picture 2" descr="Download Microsoft Excel Logo in SVG Vector or PNG File ...">
@@ -4250,47 +4124,6 @@
           </a:prstGeom>
         </p:spPr>
       </p:pic>
-      <p:cxnSp>
-        <p:nvCxnSpPr>
-          <p:cNvPr id="59" name="Straight Connector 58">
-            <a:extLst>
-              <a:ext uri="{FF2B5EF4-FFF2-40B4-BE49-F238E27FC236}">
-                <a16:creationId xmlns:a16="http://schemas.microsoft.com/office/drawing/2014/main" id="{BEF6E295-7214-46BA-AC22-9EEE84C87CE6}"/>
-              </a:ext>
-            </a:extLst>
-          </p:cNvPr>
-          <p:cNvCxnSpPr/>
-          <p:nvPr/>
-        </p:nvCxnSpPr>
-        <p:spPr>
-          <a:xfrm flipH="1">
-            <a:off x="10678731" y="3556982"/>
-            <a:ext cx="1299361" cy="302704"/>
-          </a:xfrm>
-          <a:prstGeom prst="line">
-            <a:avLst/>
-          </a:prstGeom>
-          <a:ln>
-            <a:solidFill>
-              <a:schemeClr val="tx1"/>
-            </a:solidFill>
-          </a:ln>
-        </p:spPr>
-        <p:style>
-          <a:lnRef idx="1">
-            <a:schemeClr val="accent1"/>
-          </a:lnRef>
-          <a:fillRef idx="0">
-            <a:schemeClr val="accent1"/>
-          </a:fillRef>
-          <a:effectRef idx="0">
-            <a:schemeClr val="accent1"/>
-          </a:effectRef>
-          <a:fontRef idx="minor">
-            <a:schemeClr val="tx1"/>
-          </a:fontRef>
-        </p:style>
-      </p:cxnSp>
       <p:pic>
         <p:nvPicPr>
           <p:cNvPr id="60" name="Picture 2" descr="Download Microsoft Excel Logo in SVG Vector or PNG File ...">
